--- a/Presentations/Corrected Model.pptx
+++ b/Presentations/Corrected Model.pptx
@@ -6,10 +6,13 @@
   </p:sldMasterIdLst>
   <p:sldIdLst>
     <p:sldId id="256" r:id="rId2"/>
-    <p:sldId id="257" r:id="rId3"/>
-    <p:sldId id="258" r:id="rId4"/>
-    <p:sldId id="259" r:id="rId5"/>
-    <p:sldId id="260" r:id="rId6"/>
+    <p:sldId id="261" r:id="rId3"/>
+    <p:sldId id="257" r:id="rId4"/>
+    <p:sldId id="258" r:id="rId5"/>
+    <p:sldId id="259" r:id="rId6"/>
+    <p:sldId id="260" r:id="rId7"/>
+    <p:sldId id="262" r:id="rId8"/>
+    <p:sldId id="263" r:id="rId9"/>
   </p:sldIdLst>
   <p:sldSz cx="12192000" cy="6858000"/>
   <p:notesSz cx="6858000" cy="9144000"/>
@@ -3434,6 +3437,231 @@
           <p:cNvPr id="2" name="Title 1">
             <a:extLst>
               <a:ext uri="{FF2B5EF4-FFF2-40B4-BE49-F238E27FC236}">
+                <a16:creationId xmlns:a16="http://schemas.microsoft.com/office/drawing/2014/main" id="{68B2AFBC-AFC5-EAE0-5455-6953A53EADFB}"/>
+              </a:ext>
+            </a:extLst>
+          </p:cNvPr>
+          <p:cNvSpPr>
+            <a:spLocks noGrp="1"/>
+          </p:cNvSpPr>
+          <p:nvPr>
+            <p:ph type="title"/>
+          </p:nvPr>
+        </p:nvSpPr>
+        <p:spPr/>
+        <p:txBody>
+          <a:bodyPr/>
+          <a:lstStyle/>
+          <a:p>
+            <a:endParaRPr lang="en-US"/>
+          </a:p>
+        </p:txBody>
+      </p:sp>
+      <p:pic>
+        <p:nvPicPr>
+          <p:cNvPr id="7" name="Picture 6" descr="\documentclass{article}&#10;\usepackage{amsmath}&#10;\pagestyle{empty}&#10;\begin{document}&#10;&#10;&#10;$$ \frac{2k_1A_{init}}{r^{tot}} $$&#10;&#10;\end{document}" title="IguanaTex Bitmap Display">
+            <a:extLst>
+              <a:ext uri="{FF2B5EF4-FFF2-40B4-BE49-F238E27FC236}">
+                <a16:creationId xmlns:a16="http://schemas.microsoft.com/office/drawing/2014/main" id="{BDBB178A-003D-AD61-EF0E-8FF3CE74DC0A}"/>
+              </a:ext>
+            </a:extLst>
+          </p:cNvPr>
+          <p:cNvPicPr>
+            <a:picLocks noChangeAspect="1"/>
+          </p:cNvPicPr>
+          <p:nvPr>
+            <p:custDataLst>
+              <p:tags r:id="rId1"/>
+            </p:custDataLst>
+          </p:nvPr>
+        </p:nvPicPr>
+        <p:blipFill>
+          <a:blip r:embed="rId7"/>
+          <a:stretch>
+            <a:fillRect/>
+          </a:stretch>
+        </p:blipFill>
+        <p:spPr>
+          <a:xfrm>
+            <a:off x="1539103" y="2367005"/>
+            <a:ext cx="1250648" cy="709827"/>
+          </a:xfrm>
+          <a:prstGeom prst="rect">
+            <a:avLst/>
+          </a:prstGeom>
+        </p:spPr>
+      </p:pic>
+      <p:pic>
+        <p:nvPicPr>
+          <p:cNvPr id="11" name="Picture 10" descr="\documentclass{article}&#10;\usepackage{amsmath}&#10;\pagestyle{empty}&#10;\begin{document}&#10;&#10;&#10;$$ \frac{2k_1}{\sigma} $$&#10;&#10;\end{document}" title="IguanaTex Bitmap Display">
+            <a:extLst>
+              <a:ext uri="{FF2B5EF4-FFF2-40B4-BE49-F238E27FC236}">
+                <a16:creationId xmlns:a16="http://schemas.microsoft.com/office/drawing/2014/main" id="{0C9DB963-EDDE-C4FF-3F13-E226C45D59EE}"/>
+              </a:ext>
+            </a:extLst>
+          </p:cNvPr>
+          <p:cNvPicPr>
+            <a:picLocks noChangeAspect="1"/>
+          </p:cNvPicPr>
+          <p:nvPr>
+            <p:custDataLst>
+              <p:tags r:id="rId2"/>
+            </p:custDataLst>
+          </p:nvPr>
+        </p:nvPicPr>
+        <p:blipFill>
+          <a:blip r:embed="rId8"/>
+          <a:stretch>
+            <a:fillRect/>
+          </a:stretch>
+        </p:blipFill>
+        <p:spPr>
+          <a:xfrm>
+            <a:off x="4838357" y="2367005"/>
+            <a:ext cx="507019" cy="709826"/>
+          </a:xfrm>
+          <a:prstGeom prst="rect">
+            <a:avLst/>
+          </a:prstGeom>
+        </p:spPr>
+      </p:pic>
+      <p:pic>
+        <p:nvPicPr>
+          <p:cNvPr id="13" name="Picture 12" descr="\documentclass{article}&#10;\usepackage{amsmath}&#10;\pagestyle{empty}&#10;\begin{document}&#10;&#10;&#10;$$ A^{tot} = \sigma A_{init} $$&#10;&#10;\end{document}" title="IguanaTex Bitmap Display">
+            <a:extLst>
+              <a:ext uri="{FF2B5EF4-FFF2-40B4-BE49-F238E27FC236}">
+                <a16:creationId xmlns:a16="http://schemas.microsoft.com/office/drawing/2014/main" id="{8C224D38-074D-C9E8-2F89-A26847F11E2C}"/>
+              </a:ext>
+            </a:extLst>
+          </p:cNvPr>
+          <p:cNvPicPr>
+            <a:picLocks noChangeAspect="1"/>
+          </p:cNvPicPr>
+          <p:nvPr>
+            <p:custDataLst>
+              <p:tags r:id="rId3"/>
+            </p:custDataLst>
+          </p:nvPr>
+        </p:nvPicPr>
+        <p:blipFill>
+          <a:blip r:embed="rId9"/>
+          <a:stretch>
+            <a:fillRect/>
+          </a:stretch>
+        </p:blipFill>
+        <p:spPr>
+          <a:xfrm>
+            <a:off x="7393982" y="2437712"/>
+            <a:ext cx="2130178" cy="367272"/>
+          </a:xfrm>
+          <a:prstGeom prst="rect">
+            <a:avLst/>
+          </a:prstGeom>
+        </p:spPr>
+      </p:pic>
+      <p:pic>
+        <p:nvPicPr>
+          <p:cNvPr id="19" name="Picture 18" descr="\documentclass{article}&#10;\usepackage{amsmath}&#10;\pagestyle{empty}&#10;\begin{document}&#10;&#10;&#10;$$ k_2 = \frac{4D}{\mathcal{A}r^{tot}} $$&#10;&#10;\end{document}" title="IguanaTex Bitmap Display">
+            <a:extLst>
+              <a:ext uri="{FF2B5EF4-FFF2-40B4-BE49-F238E27FC236}">
+                <a16:creationId xmlns:a16="http://schemas.microsoft.com/office/drawing/2014/main" id="{79FFAE78-2324-18F0-A2F8-C56B36CF4ED6}"/>
+              </a:ext>
+            </a:extLst>
+          </p:cNvPr>
+          <p:cNvPicPr>
+            <a:picLocks noChangeAspect="1"/>
+          </p:cNvPicPr>
+          <p:nvPr>
+            <p:custDataLst>
+              <p:tags r:id="rId4"/>
+            </p:custDataLst>
+          </p:nvPr>
+        </p:nvPicPr>
+        <p:blipFill>
+          <a:blip r:embed="rId10"/>
+          <a:stretch>
+            <a:fillRect/>
+          </a:stretch>
+        </p:blipFill>
+        <p:spPr>
+          <a:xfrm>
+            <a:off x="1712097" y="4001294"/>
+            <a:ext cx="1671320" cy="746760"/>
+          </a:xfrm>
+          <a:prstGeom prst="rect">
+            <a:avLst/>
+          </a:prstGeom>
+        </p:spPr>
+      </p:pic>
+      <p:pic>
+        <p:nvPicPr>
+          <p:cNvPr id="23" name="Picture 22" descr="\documentclass{article}&#10;\usepackage{amsmath}&#10;\pagestyle{empty}&#10;\begin{document}&#10;&#10;$$ k_2 = \frac{4D}{\mathcal{A}} $$&#10;&#10;&#10;\end{document}" title="IguanaTex Bitmap Display">
+            <a:extLst>
+              <a:ext uri="{FF2B5EF4-FFF2-40B4-BE49-F238E27FC236}">
+                <a16:creationId xmlns:a16="http://schemas.microsoft.com/office/drawing/2014/main" id="{C599DAEC-FE05-DC6C-3FCF-2CF0C3535269}"/>
+              </a:ext>
+            </a:extLst>
+          </p:cNvPr>
+          <p:cNvPicPr>
+            <a:picLocks noChangeAspect="1"/>
+          </p:cNvPicPr>
+          <p:nvPr>
+            <p:custDataLst>
+              <p:tags r:id="rId5"/>
+            </p:custDataLst>
+          </p:nvPr>
+        </p:nvPicPr>
+        <p:blipFill>
+          <a:blip r:embed="rId11"/>
+          <a:stretch>
+            <a:fillRect/>
+          </a:stretch>
+        </p:blipFill>
+        <p:spPr>
+          <a:xfrm>
+            <a:off x="7393982" y="3841274"/>
+            <a:ext cx="1315720" cy="746760"/>
+          </a:xfrm>
+          <a:prstGeom prst="rect">
+            <a:avLst/>
+          </a:prstGeom>
+        </p:spPr>
+      </p:pic>
+    </p:spTree>
+    <p:extLst>
+      <p:ext uri="{BB962C8B-B14F-4D97-AF65-F5344CB8AC3E}">
+        <p14:creationId xmlns:p14="http://schemas.microsoft.com/office/powerpoint/2010/main" val="2162006511"/>
+      </p:ext>
+    </p:extLst>
+  </p:cSld>
+  <p:clrMapOvr>
+    <a:masterClrMapping/>
+  </p:clrMapOvr>
+</p:sld>
+</file>
+
+<file path=ppt/slides/slide3.xml><?xml version="1.0" encoding="utf-8"?>
+<p:sld xmlns:a="http://schemas.openxmlformats.org/drawingml/2006/main" xmlns:r="http://schemas.openxmlformats.org/officeDocument/2006/relationships" xmlns:p="http://schemas.openxmlformats.org/presentationml/2006/main">
+  <p:cSld>
+    <p:spTree>
+      <p:nvGrpSpPr>
+        <p:cNvPr id="1" name=""/>
+        <p:cNvGrpSpPr/>
+        <p:nvPr/>
+      </p:nvGrpSpPr>
+      <p:grpSpPr>
+        <a:xfrm>
+          <a:off x="0" y="0"/>
+          <a:ext cx="0" cy="0"/>
+          <a:chOff x="0" y="0"/>
+          <a:chExt cx="0" cy="0"/>
+        </a:xfrm>
+      </p:grpSpPr>
+      <p:sp>
+        <p:nvSpPr>
+          <p:cNvPr id="2" name="Title 1">
+            <a:extLst>
+              <a:ext uri="{FF2B5EF4-FFF2-40B4-BE49-F238E27FC236}">
                 <a16:creationId xmlns:a16="http://schemas.microsoft.com/office/drawing/2014/main" id="{5387F709-1F22-46A7-E13D-76B2E09A79C9}"/>
               </a:ext>
             </a:extLst>
@@ -3552,7 +3780,7 @@
 </p:sld>
 </file>
 
-<file path=ppt/slides/slide3.xml><?xml version="1.0" encoding="utf-8"?>
+<file path=ppt/slides/slide4.xml><?xml version="1.0" encoding="utf-8"?>
 <p:sld xmlns:a="http://schemas.openxmlformats.org/drawingml/2006/main" xmlns:r="http://schemas.openxmlformats.org/officeDocument/2006/relationships" xmlns:p="http://schemas.openxmlformats.org/presentationml/2006/main">
   <p:cSld>
     <p:spTree>
@@ -3641,7 +3869,7 @@
         </p:blipFill>
         <p:spPr>
           <a:xfrm>
-            <a:off x="5748338" y="790575"/>
+            <a:off x="6316749" y="928197"/>
             <a:ext cx="6553200" cy="5702300"/>
           </a:xfrm>
           <a:prstGeom prst="rect">
@@ -3671,8 +3899,8 @@
         </p:blipFill>
         <p:spPr>
           <a:xfrm>
-            <a:off x="0" y="1065819"/>
-            <a:ext cx="5431631" cy="4726361"/>
+            <a:off x="-257659" y="928197"/>
+            <a:ext cx="6236884" cy="5427056"/>
           </a:xfrm>
           <a:prstGeom prst="rect">
             <a:avLst/>
@@ -3692,7 +3920,7 @@
 </p:sld>
 </file>
 
-<file path=ppt/slides/slide4.xml><?xml version="1.0" encoding="utf-8"?>
+<file path=ppt/slides/slide5.xml><?xml version="1.0" encoding="utf-8"?>
 <p:sld xmlns:a="http://schemas.openxmlformats.org/drawingml/2006/main" xmlns:r="http://schemas.openxmlformats.org/officeDocument/2006/relationships" xmlns:p="http://schemas.openxmlformats.org/presentationml/2006/main">
   <p:cSld>
     <p:spTree>
@@ -3782,7 +4010,7 @@
 </p:sld>
 </file>
 
-<file path=ppt/slides/slide5.xml><?xml version="1.0" encoding="utf-8"?>
+<file path=ppt/slides/slide6.xml><?xml version="1.0" encoding="utf-8"?>
 <p:sld xmlns:a="http://schemas.openxmlformats.org/drawingml/2006/main" xmlns:r="http://schemas.openxmlformats.org/officeDocument/2006/relationships" xmlns:p="http://schemas.openxmlformats.org/presentationml/2006/main">
   <p:cSld>
     <p:spTree>
@@ -3870,6 +4098,406 @@
     <a:masterClrMapping/>
   </p:clrMapOvr>
 </p:sld>
+</file>
+
+<file path=ppt/slides/slide7.xml><?xml version="1.0" encoding="utf-8"?>
+<p:sld xmlns:a="http://schemas.openxmlformats.org/drawingml/2006/main" xmlns:r="http://schemas.openxmlformats.org/officeDocument/2006/relationships" xmlns:p="http://schemas.openxmlformats.org/presentationml/2006/main">
+  <p:cSld>
+    <p:spTree>
+      <p:nvGrpSpPr>
+        <p:cNvPr id="1" name=""/>
+        <p:cNvGrpSpPr/>
+        <p:nvPr/>
+      </p:nvGrpSpPr>
+      <p:grpSpPr>
+        <a:xfrm>
+          <a:off x="0" y="0"/>
+          <a:ext cx="0" cy="0"/>
+          <a:chOff x="0" y="0"/>
+          <a:chExt cx="0" cy="0"/>
+        </a:xfrm>
+      </p:grpSpPr>
+      <p:pic>
+        <p:nvPicPr>
+          <p:cNvPr id="3" name="Picture 2" descr="A picture containing text, screenshot, diagram, colorfulness&#10;&#10;Description automatically generated">
+            <a:extLst>
+              <a:ext uri="{FF2B5EF4-FFF2-40B4-BE49-F238E27FC236}">
+                <a16:creationId xmlns:a16="http://schemas.microsoft.com/office/drawing/2014/main" id="{88F5DBDB-444D-6239-05FE-887580BDA107}"/>
+              </a:ext>
+            </a:extLst>
+          </p:cNvPr>
+          <p:cNvPicPr>
+            <a:picLocks noChangeAspect="1"/>
+          </p:cNvPicPr>
+          <p:nvPr/>
+        </p:nvPicPr>
+        <p:blipFill>
+          <a:blip r:embed="rId2"/>
+          <a:stretch>
+            <a:fillRect/>
+          </a:stretch>
+        </p:blipFill>
+        <p:spPr>
+          <a:xfrm>
+            <a:off x="821459" y="3024094"/>
+            <a:ext cx="5260696" cy="3507131"/>
+          </a:xfrm>
+          <a:prstGeom prst="rect">
+            <a:avLst/>
+          </a:prstGeom>
+        </p:spPr>
+      </p:pic>
+      <p:pic>
+        <p:nvPicPr>
+          <p:cNvPr id="5" name="Picture 4" descr="A picture containing text, screenshot, diagram, colorfulness&#10;&#10;Description automatically generated">
+            <a:extLst>
+              <a:ext uri="{FF2B5EF4-FFF2-40B4-BE49-F238E27FC236}">
+                <a16:creationId xmlns:a16="http://schemas.microsoft.com/office/drawing/2014/main" id="{51E65879-2D1B-B59E-D249-D8A72B2E1DEE}"/>
+              </a:ext>
+            </a:extLst>
+          </p:cNvPr>
+          <p:cNvPicPr>
+            <a:picLocks noChangeAspect="1"/>
+          </p:cNvPicPr>
+          <p:nvPr/>
+        </p:nvPicPr>
+        <p:blipFill>
+          <a:blip r:embed="rId3"/>
+          <a:stretch>
+            <a:fillRect/>
+          </a:stretch>
+        </p:blipFill>
+        <p:spPr>
+          <a:xfrm>
+            <a:off x="5925671" y="3092058"/>
+            <a:ext cx="5260695" cy="3507130"/>
+          </a:xfrm>
+          <a:prstGeom prst="rect">
+            <a:avLst/>
+          </a:prstGeom>
+        </p:spPr>
+      </p:pic>
+      <p:pic>
+        <p:nvPicPr>
+          <p:cNvPr id="11" name="Picture 10" descr="A picture containing text, screenshot, colorfulness, diagram&#10;&#10;Description automatically generated">
+            <a:extLst>
+              <a:ext uri="{FF2B5EF4-FFF2-40B4-BE49-F238E27FC236}">
+                <a16:creationId xmlns:a16="http://schemas.microsoft.com/office/drawing/2014/main" id="{555B982A-6F59-BC1D-0180-C618D9EDECDF}"/>
+              </a:ext>
+            </a:extLst>
+          </p:cNvPr>
+          <p:cNvPicPr>
+            <a:picLocks noChangeAspect="1"/>
+          </p:cNvPicPr>
+          <p:nvPr/>
+        </p:nvPicPr>
+        <p:blipFill>
+          <a:blip r:embed="rId4"/>
+          <a:stretch>
+            <a:fillRect/>
+          </a:stretch>
+        </p:blipFill>
+        <p:spPr>
+          <a:xfrm>
+            <a:off x="838930" y="130516"/>
+            <a:ext cx="4947727" cy="3298484"/>
+          </a:xfrm>
+          <a:prstGeom prst="rect">
+            <a:avLst/>
+          </a:prstGeom>
+        </p:spPr>
+      </p:pic>
+      <p:pic>
+        <p:nvPicPr>
+          <p:cNvPr id="13" name="Picture 12" descr="A picture containing text, screenshot, diagram, colorfulness&#10;&#10;Description automatically generated">
+            <a:extLst>
+              <a:ext uri="{FF2B5EF4-FFF2-40B4-BE49-F238E27FC236}">
+                <a16:creationId xmlns:a16="http://schemas.microsoft.com/office/drawing/2014/main" id="{6C46820C-116A-1917-C86A-D4B77DAB76CF}"/>
+              </a:ext>
+            </a:extLst>
+          </p:cNvPr>
+          <p:cNvPicPr>
+            <a:picLocks noChangeAspect="1"/>
+          </p:cNvPicPr>
+          <p:nvPr/>
+        </p:nvPicPr>
+        <p:blipFill>
+          <a:blip r:embed="rId5"/>
+          <a:stretch>
+            <a:fillRect/>
+          </a:stretch>
+        </p:blipFill>
+        <p:spPr>
+          <a:xfrm>
+            <a:off x="6082155" y="0"/>
+            <a:ext cx="4947727" cy="3298484"/>
+          </a:xfrm>
+          <a:prstGeom prst="rect">
+            <a:avLst/>
+          </a:prstGeom>
+        </p:spPr>
+      </p:pic>
+    </p:spTree>
+    <p:extLst>
+      <p:ext uri="{BB962C8B-B14F-4D97-AF65-F5344CB8AC3E}">
+        <p14:creationId xmlns:p14="http://schemas.microsoft.com/office/powerpoint/2010/main" val="1317605203"/>
+      </p:ext>
+    </p:extLst>
+  </p:cSld>
+  <p:clrMapOvr>
+    <a:masterClrMapping/>
+  </p:clrMapOvr>
+</p:sld>
+</file>
+
+<file path=ppt/slides/slide8.xml><?xml version="1.0" encoding="utf-8"?>
+<p:sld xmlns:a="http://schemas.openxmlformats.org/drawingml/2006/main" xmlns:r="http://schemas.openxmlformats.org/officeDocument/2006/relationships" xmlns:p="http://schemas.openxmlformats.org/presentationml/2006/main">
+  <p:cSld>
+    <p:spTree>
+      <p:nvGrpSpPr>
+        <p:cNvPr id="1" name=""/>
+        <p:cNvGrpSpPr/>
+        <p:nvPr/>
+      </p:nvGrpSpPr>
+      <p:grpSpPr>
+        <a:xfrm>
+          <a:off x="0" y="0"/>
+          <a:ext cx="0" cy="0"/>
+          <a:chOff x="0" y="0"/>
+          <a:chExt cx="0" cy="0"/>
+        </a:xfrm>
+      </p:grpSpPr>
+      <p:pic>
+        <p:nvPicPr>
+          <p:cNvPr id="2" name="Picture 1" descr="A picture containing text, screenshot, colorfulness, diagram&#10;&#10;Description automatically generated">
+            <a:extLst>
+              <a:ext uri="{FF2B5EF4-FFF2-40B4-BE49-F238E27FC236}">
+                <a16:creationId xmlns:a16="http://schemas.microsoft.com/office/drawing/2014/main" id="{C99403FD-487F-BB10-9660-840AC47DC061}"/>
+              </a:ext>
+            </a:extLst>
+          </p:cNvPr>
+          <p:cNvPicPr>
+            <a:picLocks noChangeAspect="1"/>
+          </p:cNvPicPr>
+          <p:nvPr/>
+        </p:nvPicPr>
+        <p:blipFill>
+          <a:blip r:embed="rId2"/>
+          <a:stretch>
+            <a:fillRect/>
+          </a:stretch>
+        </p:blipFill>
+        <p:spPr>
+          <a:xfrm>
+            <a:off x="6096000" y="135997"/>
+            <a:ext cx="5460411" cy="3640274"/>
+          </a:xfrm>
+          <a:prstGeom prst="rect">
+            <a:avLst/>
+          </a:prstGeom>
+        </p:spPr>
+      </p:pic>
+      <p:pic>
+        <p:nvPicPr>
+          <p:cNvPr id="3" name="Picture 2" descr="A picture containing text, screenshot, colorfulness, purple&#10;&#10;Description automatically generated">
+            <a:extLst>
+              <a:ext uri="{FF2B5EF4-FFF2-40B4-BE49-F238E27FC236}">
+                <a16:creationId xmlns:a16="http://schemas.microsoft.com/office/drawing/2014/main" id="{E500D6AF-CEA5-CDF8-64D4-185E4269AEF6}"/>
+              </a:ext>
+            </a:extLst>
+          </p:cNvPr>
+          <p:cNvPicPr>
+            <a:picLocks noChangeAspect="1"/>
+          </p:cNvPicPr>
+          <p:nvPr/>
+        </p:nvPicPr>
+        <p:blipFill>
+          <a:blip r:embed="rId3"/>
+          <a:stretch>
+            <a:fillRect/>
+          </a:stretch>
+        </p:blipFill>
+        <p:spPr>
+          <a:xfrm>
+            <a:off x="460485" y="135997"/>
+            <a:ext cx="5239214" cy="3492810"/>
+          </a:xfrm>
+          <a:prstGeom prst="rect">
+            <a:avLst/>
+          </a:prstGeom>
+        </p:spPr>
+      </p:pic>
+      <p:pic>
+        <p:nvPicPr>
+          <p:cNvPr id="4" name="Picture 3" descr="A picture containing text, screenshot, colorfulness, diagram&#10;&#10;Description automatically generated">
+            <a:extLst>
+              <a:ext uri="{FF2B5EF4-FFF2-40B4-BE49-F238E27FC236}">
+                <a16:creationId xmlns:a16="http://schemas.microsoft.com/office/drawing/2014/main" id="{BB5D5441-5B73-149A-91DB-A84F1435EB4F}"/>
+              </a:ext>
+            </a:extLst>
+          </p:cNvPr>
+          <p:cNvPicPr>
+            <a:picLocks noChangeAspect="1"/>
+          </p:cNvPicPr>
+          <p:nvPr/>
+        </p:nvPicPr>
+        <p:blipFill>
+          <a:blip r:embed="rId4"/>
+          <a:stretch>
+            <a:fillRect/>
+          </a:stretch>
+        </p:blipFill>
+        <p:spPr>
+          <a:xfrm>
+            <a:off x="348389" y="3130339"/>
+            <a:ext cx="5239214" cy="3492809"/>
+          </a:xfrm>
+          <a:prstGeom prst="rect">
+            <a:avLst/>
+          </a:prstGeom>
+        </p:spPr>
+      </p:pic>
+      <p:pic>
+        <p:nvPicPr>
+          <p:cNvPr id="5" name="Picture 4" descr="A picture containing text, screenshot, colorfulness, diagram&#10;&#10;Description automatically generated">
+            <a:extLst>
+              <a:ext uri="{FF2B5EF4-FFF2-40B4-BE49-F238E27FC236}">
+                <a16:creationId xmlns:a16="http://schemas.microsoft.com/office/drawing/2014/main" id="{DA3DCD5E-EEA5-24DA-7FA7-BC125942AE32}"/>
+              </a:ext>
+            </a:extLst>
+          </p:cNvPr>
+          <p:cNvPicPr>
+            <a:picLocks noChangeAspect="1"/>
+          </p:cNvPicPr>
+          <p:nvPr/>
+        </p:nvPicPr>
+        <p:blipFill>
+          <a:blip r:embed="rId5"/>
+          <a:stretch>
+            <a:fillRect/>
+          </a:stretch>
+        </p:blipFill>
+        <p:spPr>
+          <a:xfrm>
+            <a:off x="6380205" y="3130339"/>
+            <a:ext cx="5239214" cy="3492810"/>
+          </a:xfrm>
+          <a:prstGeom prst="rect">
+            <a:avLst/>
+          </a:prstGeom>
+        </p:spPr>
+      </p:pic>
+    </p:spTree>
+    <p:extLst>
+      <p:ext uri="{BB962C8B-B14F-4D97-AF65-F5344CB8AC3E}">
+        <p14:creationId xmlns:p14="http://schemas.microsoft.com/office/powerpoint/2010/main" val="191005907"/>
+      </p:ext>
+    </p:extLst>
+  </p:cSld>
+  <p:clrMapOvr>
+    <a:masterClrMapping/>
+  </p:clrMapOvr>
+</p:sld>
+</file>
+
+<file path=ppt/tags/tag1.xml><?xml version="1.0" encoding="utf-8"?>
+<p:tagLst xmlns:a="http://schemas.openxmlformats.org/drawingml/2006/main" xmlns:r="http://schemas.openxmlformats.org/officeDocument/2006/relationships" xmlns:p="http://schemas.openxmlformats.org/presentationml/2006/main">
+  <p:tag name="OUTPUTDPI" val="1200"/>
+  <p:tag name="ORIGINALHEIGHT" val="21"/>
+  <p:tag name="ORIGINALWIDTH" val="37"/>
+  <p:tag name="OUTPUTTYPE" val="PDF"/>
+  <p:tag name="IGUANATEXVERSION" val="160"/>
+  <p:tag name="LATEXADDIN" val="\documentclass{article}&#10;\usepackage{amsmath}&#10;\pagestyle{empty}&#10;\begin{document}&#10;&#10;&#10;$$ \frac{2k_1A_{init}}{r^{tot}} $$&#10;&#10;\end{document}"/>
+  <p:tag name="IGUANATEXSIZE" val="20"/>
+  <p:tag name="IGUANATEXCURSOR" val="112"/>
+  <p:tag name="TRANSPARENCY" val="True"/>
+  <p:tag name="LATEXENGINEID" val="0"/>
+  <p:tag name="TEMPFOLDER" val="/private/var/folders/qf/lh9kspxj3zx7v12f8f3xdfbw0000gn/T/com.microsoft.Powerpoint/TemporaryItems/"/>
+  <p:tag name="LATEXFORMHEIGHT" val="426.65"/>
+  <p:tag name="LATEXFORMWIDTH" val="513.35"/>
+  <p:tag name="LATEXFORMWRAP" val="True"/>
+  <p:tag name="BITMAPVECTOR" val="0"/>
+</p:tagLst>
+</file>
+
+<file path=ppt/tags/tag2.xml><?xml version="1.0" encoding="utf-8"?>
+<p:tagLst xmlns:a="http://schemas.openxmlformats.org/drawingml/2006/main" xmlns:r="http://schemas.openxmlformats.org/officeDocument/2006/relationships" xmlns:p="http://schemas.openxmlformats.org/presentationml/2006/main">
+  <p:tag name="OUTPUTDPI" val="1200"/>
+  <p:tag name="ORIGINALHEIGHT" val="21"/>
+  <p:tag name="ORIGINALWIDTH" val="15"/>
+  <p:tag name="OUTPUTTYPE" val="PDF"/>
+  <p:tag name="IGUANATEXVERSION" val="160"/>
+  <p:tag name="LATEXADDIN" val="\documentclass{article}&#10;\usepackage{amsmath}&#10;\pagestyle{empty}&#10;\begin{document}&#10;&#10;&#10;$$ \frac{2k_1}{\sigma} $$&#10;&#10;\end{document}"/>
+  <p:tag name="IGUANATEXSIZE" val="20"/>
+  <p:tag name="IGUANATEXCURSOR" val="95"/>
+  <p:tag name="TRANSPARENCY" val="True"/>
+  <p:tag name="LATEXENGINEID" val="0"/>
+  <p:tag name="TEMPFOLDER" val="/private/var/folders/qf/lh9kspxj3zx7v12f8f3xdfbw0000gn/T/com.microsoft.Powerpoint/TemporaryItems/"/>
+  <p:tag name="LATEXFORMHEIGHT" val="426.65"/>
+  <p:tag name="LATEXFORMWIDTH" val="513.35"/>
+  <p:tag name="LATEXFORMWRAP" val="True"/>
+  <p:tag name="BITMAPVECTOR" val="0"/>
+</p:tagLst>
+</file>
+
+<file path=ppt/tags/tag3.xml><?xml version="1.0" encoding="utf-8"?>
+<p:tagLst xmlns:a="http://schemas.openxmlformats.org/drawingml/2006/main" xmlns:r="http://schemas.openxmlformats.org/officeDocument/2006/relationships" xmlns:p="http://schemas.openxmlformats.org/presentationml/2006/main">
+  <p:tag name="OUTPUTDPI" val="1200"/>
+  <p:tag name="ORIGINALHEIGHT" val="10"/>
+  <p:tag name="ORIGINALWIDTH" val="58"/>
+  <p:tag name="OUTPUTTYPE" val="PDF"/>
+  <p:tag name="IGUANATEXVERSION" val="160"/>
+  <p:tag name="LATEXADDIN" val="\documentclass{article}&#10;\usepackage{amsmath}&#10;\pagestyle{empty}&#10;\begin{document}&#10;&#10;&#10;$$ A^{tot} = \sigma A_{init} $$&#10;&#10;\end{document}"/>
+  <p:tag name="IGUANATEXSIZE" val="20"/>
+  <p:tag name="IGUANATEXCURSOR" val="113"/>
+  <p:tag name="TRANSPARENCY" val="True"/>
+  <p:tag name="LATEXENGINEID" val="0"/>
+  <p:tag name="TEMPFOLDER" val="/private/var/folders/qf/lh9kspxj3zx7v12f8f3xdfbw0000gn/T/com.microsoft.Powerpoint/TemporaryItems/"/>
+  <p:tag name="LATEXFORMHEIGHT" val="426.65"/>
+  <p:tag name="LATEXFORMWIDTH" val="513.35"/>
+  <p:tag name="LATEXFORMWRAP" val="True"/>
+  <p:tag name="BITMAPVECTOR" val="0"/>
+</p:tagLst>
+</file>
+
+<file path=ppt/tags/tag4.xml><?xml version="1.0" encoding="utf-8"?>
+<p:tagLst xmlns:a="http://schemas.openxmlformats.org/drawingml/2006/main" xmlns:r="http://schemas.openxmlformats.org/officeDocument/2006/relationships" xmlns:p="http://schemas.openxmlformats.org/presentationml/2006/main">
+  <p:tag name="OUTPUTDPI" val="1200"/>
+  <p:tag name="ORIGINALHEIGHT" val="21"/>
+  <p:tag name="ORIGINALWIDTH" val="47"/>
+  <p:tag name="OUTPUTTYPE" val="PDF"/>
+  <p:tag name="IGUANATEXVERSION" val="160"/>
+  <p:tag name="LATEXADDIN" val="\documentclass{article}&#10;\usepackage{amsmath}&#10;\pagestyle{empty}&#10;\begin{document}&#10;&#10;&#10;$$ k_2 = \frac{4D}{\mathcal{A}r^{tot}} $$&#10;&#10;\end{document}"/>
+  <p:tag name="IGUANATEXSIZE" val="28"/>
+  <p:tag name="IGUANATEXCURSOR" val="82"/>
+  <p:tag name="TRANSPARENCY" val="True"/>
+  <p:tag name="LATEXENGINEID" val="0"/>
+  <p:tag name="TEMPFOLDER" val="/private/var/folders/qf/lh9kspxj3zx7v12f8f3xdfbw0000gn/T/com.microsoft.Powerpoint/TemporaryItems/"/>
+  <p:tag name="LATEXFORMHEIGHT" val="426.65"/>
+  <p:tag name="LATEXFORMWIDTH" val="513.35"/>
+  <p:tag name="LATEXFORMWRAP" val="True"/>
+  <p:tag name="BITMAPVECTOR" val="0"/>
+</p:tagLst>
+</file>
+
+<file path=ppt/tags/tag5.xml><?xml version="1.0" encoding="utf-8"?>
+<p:tagLst xmlns:a="http://schemas.openxmlformats.org/drawingml/2006/main" xmlns:r="http://schemas.openxmlformats.org/officeDocument/2006/relationships" xmlns:p="http://schemas.openxmlformats.org/presentationml/2006/main">
+  <p:tag name="OUTPUTDPI" val="1200"/>
+  <p:tag name="ORIGINALHEIGHT" val="21"/>
+  <p:tag name="ORIGINALWIDTH" val="37"/>
+  <p:tag name="OUTPUTTYPE" val="PDF"/>
+  <p:tag name="IGUANATEXVERSION" val="160"/>
+  <p:tag name="LATEXADDIN" val="\documentclass{article}&#10;\usepackage{amsmath}&#10;\pagestyle{empty}&#10;\begin{document}&#10;&#10;$$ k_2 = \frac{4D}{\mathcal{A}} $$&#10;&#10;&#10;\end{document}"/>
+  <p:tag name="IGUANATEXSIZE" val="20"/>
+  <p:tag name="IGUANATEXCURSOR" val="111"/>
+  <p:tag name="TRANSPARENCY" val="True"/>
+  <p:tag name="LATEXENGINEID" val="0"/>
+  <p:tag name="TEMPFOLDER" val="/private/var/folders/qf/lh9kspxj3zx7v12f8f3xdfbw0000gn/T/com.microsoft.Powerpoint/TemporaryItems/"/>
+  <p:tag name="LATEXFORMHEIGHT" val="426.65"/>
+  <p:tag name="LATEXFORMWIDTH" val="513.35"/>
+  <p:tag name="LATEXFORMWRAP" val="True"/>
+  <p:tag name="BITMAPVECTOR" val="0"/>
+</p:tagLst>
 </file>
 
 <file path=ppt/theme/theme1.xml><?xml version="1.0" encoding="utf-8"?>

--- a/Presentations/Corrected Model.pptx
+++ b/Presentations/Corrected Model.pptx
@@ -111,6 +111,11 @@
       </a:defRPr>
     </a:lvl9pPr>
   </p:defaultTextStyle>
+  <p:extLst>
+    <p:ext uri="{EFAFB233-063F-42B5-8137-9DF3F51BA10A}">
+      <p15:sldGuideLst xmlns:p15="http://schemas.microsoft.com/office/powerpoint/2012/main"/>
+    </p:ext>
+  </p:extLst>
 </p:presentation>
 </file>
 
@@ -263,7 +268,7 @@
           <a:p>
             <a:fld id="{9F0B86F7-2A6C-FA48-8FC4-AAC251A5ED9A}" type="datetimeFigureOut">
               <a:rPr lang="en-US" smtClean="0"/>
-              <a:t>6/8/23</a:t>
+              <a:t>6/20/23</a:t>
             </a:fld>
             <a:endParaRPr lang="en-US"/>
           </a:p>
@@ -463,7 +468,7 @@
           <a:p>
             <a:fld id="{9F0B86F7-2A6C-FA48-8FC4-AAC251A5ED9A}" type="datetimeFigureOut">
               <a:rPr lang="en-US" smtClean="0"/>
-              <a:t>6/8/23</a:t>
+              <a:t>6/20/23</a:t>
             </a:fld>
             <a:endParaRPr lang="en-US"/>
           </a:p>
@@ -673,7 +678,7 @@
           <a:p>
             <a:fld id="{9F0B86F7-2A6C-FA48-8FC4-AAC251A5ED9A}" type="datetimeFigureOut">
               <a:rPr lang="en-US" smtClean="0"/>
-              <a:t>6/8/23</a:t>
+              <a:t>6/20/23</a:t>
             </a:fld>
             <a:endParaRPr lang="en-US"/>
           </a:p>
@@ -873,7 +878,7 @@
           <a:p>
             <a:fld id="{9F0B86F7-2A6C-FA48-8FC4-AAC251A5ED9A}" type="datetimeFigureOut">
               <a:rPr lang="en-US" smtClean="0"/>
-              <a:t>6/8/23</a:t>
+              <a:t>6/20/23</a:t>
             </a:fld>
             <a:endParaRPr lang="en-US"/>
           </a:p>
@@ -1149,7 +1154,7 @@
           <a:p>
             <a:fld id="{9F0B86F7-2A6C-FA48-8FC4-AAC251A5ED9A}" type="datetimeFigureOut">
               <a:rPr lang="en-US" smtClean="0"/>
-              <a:t>6/8/23</a:t>
+              <a:t>6/20/23</a:t>
             </a:fld>
             <a:endParaRPr lang="en-US"/>
           </a:p>
@@ -1417,7 +1422,7 @@
           <a:p>
             <a:fld id="{9F0B86F7-2A6C-FA48-8FC4-AAC251A5ED9A}" type="datetimeFigureOut">
               <a:rPr lang="en-US" smtClean="0"/>
-              <a:t>6/8/23</a:t>
+              <a:t>6/20/23</a:t>
             </a:fld>
             <a:endParaRPr lang="en-US"/>
           </a:p>
@@ -1832,7 +1837,7 @@
           <a:p>
             <a:fld id="{9F0B86F7-2A6C-FA48-8FC4-AAC251A5ED9A}" type="datetimeFigureOut">
               <a:rPr lang="en-US" smtClean="0"/>
-              <a:t>6/8/23</a:t>
+              <a:t>6/20/23</a:t>
             </a:fld>
             <a:endParaRPr lang="en-US"/>
           </a:p>
@@ -1974,7 +1979,7 @@
           <a:p>
             <a:fld id="{9F0B86F7-2A6C-FA48-8FC4-AAC251A5ED9A}" type="datetimeFigureOut">
               <a:rPr lang="en-US" smtClean="0"/>
-              <a:t>6/8/23</a:t>
+              <a:t>6/20/23</a:t>
             </a:fld>
             <a:endParaRPr lang="en-US"/>
           </a:p>
@@ -2087,7 +2092,7 @@
           <a:p>
             <a:fld id="{9F0B86F7-2A6C-FA48-8FC4-AAC251A5ED9A}" type="datetimeFigureOut">
               <a:rPr lang="en-US" smtClean="0"/>
-              <a:t>6/8/23</a:t>
+              <a:t>6/20/23</a:t>
             </a:fld>
             <a:endParaRPr lang="en-US"/>
           </a:p>
@@ -2400,7 +2405,7 @@
           <a:p>
             <a:fld id="{9F0B86F7-2A6C-FA48-8FC4-AAC251A5ED9A}" type="datetimeFigureOut">
               <a:rPr lang="en-US" smtClean="0"/>
-              <a:t>6/8/23</a:t>
+              <a:t>6/20/23</a:t>
             </a:fld>
             <a:endParaRPr lang="en-US"/>
           </a:p>
@@ -2689,7 +2694,7 @@
           <a:p>
             <a:fld id="{9F0B86F7-2A6C-FA48-8FC4-AAC251A5ED9A}" type="datetimeFigureOut">
               <a:rPr lang="en-US" smtClean="0"/>
-              <a:t>6/8/23</a:t>
+              <a:t>6/20/23</a:t>
             </a:fld>
             <a:endParaRPr lang="en-US"/>
           </a:p>
@@ -2932,7 +2937,7 @@
           <a:p>
             <a:fld id="{9F0B86F7-2A6C-FA48-8FC4-AAC251A5ED9A}" type="datetimeFigureOut">
               <a:rPr lang="en-US" smtClean="0"/>
-              <a:t>6/8/23</a:t>
+              <a:t>6/20/23</a:t>
             </a:fld>
             <a:endParaRPr lang="en-US"/>
           </a:p>
@@ -4139,7 +4144,7 @@
         </p:blipFill>
         <p:spPr>
           <a:xfrm>
-            <a:off x="821459" y="3024094"/>
+            <a:off x="682445" y="3220353"/>
             <a:ext cx="5260696" cy="3507131"/>
           </a:xfrm>
           <a:prstGeom prst="rect">
@@ -4169,7 +4174,7 @@
         </p:blipFill>
         <p:spPr>
           <a:xfrm>
-            <a:off x="5925671" y="3092058"/>
+            <a:off x="5803528" y="3022645"/>
             <a:ext cx="5260695" cy="3507130"/>
           </a:xfrm>
           <a:prstGeom prst="rect">
@@ -4199,8 +4204,8 @@
         </p:blipFill>
         <p:spPr>
           <a:xfrm>
-            <a:off x="838930" y="130516"/>
-            <a:ext cx="4947727" cy="3298484"/>
+            <a:off x="743217" y="-78131"/>
+            <a:ext cx="5260696" cy="3507130"/>
           </a:xfrm>
           <a:prstGeom prst="rect">
             <a:avLst/>
@@ -4229,7 +4234,7 @@
         </p:blipFill>
         <p:spPr>
           <a:xfrm>
-            <a:off x="6082155" y="0"/>
+            <a:off x="6082155" y="130516"/>
             <a:ext cx="4947727" cy="3298484"/>
           </a:xfrm>
           <a:prstGeom prst="rect">
@@ -4289,7 +4294,7 @@
         </p:blipFill>
         <p:spPr>
           <a:xfrm>
-            <a:off x="6096000" y="135997"/>
+            <a:off x="6096000" y="-73732"/>
             <a:ext cx="5460411" cy="3640274"/>
           </a:xfrm>
           <a:prstGeom prst="rect">
@@ -4319,7 +4324,7 @@
         </p:blipFill>
         <p:spPr>
           <a:xfrm>
-            <a:off x="460485" y="135997"/>
+            <a:off x="460485" y="73732"/>
             <a:ext cx="5239214" cy="3492810"/>
           </a:xfrm>
           <a:prstGeom prst="rect">
@@ -4349,7 +4354,7 @@
         </p:blipFill>
         <p:spPr>
           <a:xfrm>
-            <a:off x="348389" y="3130339"/>
+            <a:off x="460485" y="3179768"/>
             <a:ext cx="5239214" cy="3492809"/>
           </a:xfrm>
           <a:prstGeom prst="rect">
@@ -4379,7 +4384,7 @@
         </p:blipFill>
         <p:spPr>
           <a:xfrm>
-            <a:off x="6380205" y="3130339"/>
+            <a:off x="6206598" y="3365190"/>
             <a:ext cx="5239214" cy="3492810"/>
           </a:xfrm>
           <a:prstGeom prst="rect">
